--- a/documentatie/scrum presentaties/sprint 3.pptx
+++ b/documentatie/scrum presentaties/sprint 3.pptx
@@ -111,6 +111,11 @@
       </a:defRPr>
     </a:lvl9pPr>
   </p:defaultTextStyle>
+  <p:extLst>
+    <p:ext uri="{EFAFB233-063F-42B5-8137-9DF3F51BA10A}">
+      <p15:sldGuideLst xmlns:p15="http://schemas.microsoft.com/office/powerpoint/2012/main"/>
+    </p:ext>
+  </p:extLst>
 </p:presentation>
 </file>
 
@@ -6212,21 +6217,6 @@
           <a:p>
             <a:r>
               <a:rPr lang="en-US" dirty="0" err="1"/>
-              <a:t>Onderzoekverslag</a:t>
-            </a:r>
-            <a:r>
-              <a:rPr lang="en-US" dirty="0"/>
-              <a:t> </a:t>
-            </a:r>
-            <a:r>
-              <a:rPr lang="en-US" dirty="0" err="1"/>
-              <a:t>waterdiichtheid</a:t>
-            </a:r>
-            <a:endParaRPr lang="en-US" dirty="0"/>
-          </a:p>
-          <a:p>
-            <a:r>
-              <a:rPr lang="en-US" dirty="0" err="1"/>
               <a:t>Literatuur</a:t>
             </a:r>
             <a:r>
@@ -6573,45 +6563,12 @@
           <a:bodyPr/>
           <a:lstStyle/>
           <a:p>
-            <a:r>
-              <a:rPr lang="en-US" dirty="0"/>
-              <a:t>Geen </a:t>
-            </a:r>
-            <a:r>
-              <a:rPr lang="en-US" dirty="0" err="1"/>
-              <a:t>mogelijkheid</a:t>
-            </a:r>
-            <a:r>
-              <a:rPr lang="en-US" dirty="0"/>
-              <a:t> om </a:t>
-            </a:r>
-            <a:r>
-              <a:rPr lang="en-US" dirty="0" err="1"/>
-              <a:t>te</a:t>
-            </a:r>
-            <a:r>
-              <a:rPr lang="en-US" dirty="0"/>
-              <a:t> laten </a:t>
-            </a:r>
-            <a:r>
-              <a:rPr lang="en-US" dirty="0" err="1"/>
-              <a:t>zien</a:t>
-            </a:r>
             <a:endParaRPr lang="en-US" dirty="0"/>
           </a:p>
           <a:p>
-            <a:r>
-              <a:rPr lang="en-US" dirty="0"/>
-              <a:t>Voor de </a:t>
-            </a:r>
-            <a:r>
-              <a:rPr lang="en-US" dirty="0" err="1"/>
-              <a:t>volgende</a:t>
-            </a:r>
-            <a:r>
-              <a:rPr lang="en-US" dirty="0"/>
-              <a:t> sprint</a:t>
-            </a:r>
+            <a:pPr marL="0" indent="0">
+              <a:buNone/>
+            </a:pPr>
             <a:endParaRPr lang="nl-NL" dirty="0"/>
           </a:p>
         </p:txBody>
@@ -7342,12 +7299,8 @@
           <a:lstStyle/>
           <a:p>
             <a:r>
-              <a:rPr lang="en-US" dirty="0"/>
-              <a:t>Merel was </a:t>
-            </a:r>
-            <a:r>
               <a:rPr lang="en-US" dirty="0" err="1"/>
-              <a:t>afwezig</a:t>
+              <a:t>aanwezigheid</a:t>
             </a:r>
             <a:endParaRPr lang="en-US" dirty="0"/>
           </a:p>
@@ -7387,6 +7340,13 @@
             <a:r>
               <a:rPr lang="en-US" dirty="0" err="1"/>
               <a:t>doen</a:t>
+            </a:r>
+            <a:endParaRPr lang="en-US" dirty="0"/>
+          </a:p>
+          <a:p>
+            <a:r>
+              <a:rPr lang="en-US" dirty="0" err="1"/>
+              <a:t>comunicatie</a:t>
             </a:r>
             <a:endParaRPr lang="en-US" dirty="0"/>
           </a:p>

--- a/documentatie/scrum presentaties/sprint 3.pptx
+++ b/documentatie/scrum presentaties/sprint 3.pptx
@@ -864,7 +864,7 @@
           <a:p>
             <a:fld id="{E74BDB28-6DF7-4627-A556-6E3BD3FA65A4}" type="datetimeFigureOut">
               <a:rPr lang="nl-NL" smtClean="0"/>
-              <a:t>28-10-2025</a:t>
+              <a:t>21-11-2025</a:t>
             </a:fld>
             <a:endParaRPr lang="nl-NL"/>
           </a:p>
@@ -1115,7 +1115,7 @@
           <a:p>
             <a:fld id="{E74BDB28-6DF7-4627-A556-6E3BD3FA65A4}" type="datetimeFigureOut">
               <a:rPr lang="nl-NL" smtClean="0"/>
-              <a:t>28-10-2025</a:t>
+              <a:t>21-11-2025</a:t>
             </a:fld>
             <a:endParaRPr lang="nl-NL"/>
           </a:p>
@@ -1429,7 +1429,7 @@
           <a:p>
             <a:fld id="{E74BDB28-6DF7-4627-A556-6E3BD3FA65A4}" type="datetimeFigureOut">
               <a:rPr lang="nl-NL" smtClean="0"/>
-              <a:t>28-10-2025</a:t>
+              <a:t>21-11-2025</a:t>
             </a:fld>
             <a:endParaRPr lang="nl-NL"/>
           </a:p>
@@ -1762,7 +1762,7 @@
           <a:p>
             <a:fld id="{E74BDB28-6DF7-4627-A556-6E3BD3FA65A4}" type="datetimeFigureOut">
               <a:rPr lang="nl-NL" smtClean="0"/>
-              <a:t>28-10-2025</a:t>
+              <a:t>21-11-2025</a:t>
             </a:fld>
             <a:endParaRPr lang="nl-NL"/>
           </a:p>
@@ -2076,7 +2076,7 @@
           <a:p>
             <a:fld id="{E74BDB28-6DF7-4627-A556-6E3BD3FA65A4}" type="datetimeFigureOut">
               <a:rPr lang="nl-NL" smtClean="0"/>
-              <a:t>28-10-2025</a:t>
+              <a:t>21-11-2025</a:t>
             </a:fld>
             <a:endParaRPr lang="nl-NL"/>
           </a:p>
@@ -2469,7 +2469,7 @@
           <a:p>
             <a:fld id="{E74BDB28-6DF7-4627-A556-6E3BD3FA65A4}" type="datetimeFigureOut">
               <a:rPr lang="nl-NL" smtClean="0"/>
-              <a:t>28-10-2025</a:t>
+              <a:t>21-11-2025</a:t>
             </a:fld>
             <a:endParaRPr lang="nl-NL"/>
           </a:p>
@@ -2639,7 +2639,7 @@
           <a:p>
             <a:fld id="{E74BDB28-6DF7-4627-A556-6E3BD3FA65A4}" type="datetimeFigureOut">
               <a:rPr lang="nl-NL" smtClean="0"/>
-              <a:t>28-10-2025</a:t>
+              <a:t>21-11-2025</a:t>
             </a:fld>
             <a:endParaRPr lang="nl-NL"/>
           </a:p>
@@ -2819,7 +2819,7 @@
           <a:p>
             <a:fld id="{E74BDB28-6DF7-4627-A556-6E3BD3FA65A4}" type="datetimeFigureOut">
               <a:rPr lang="nl-NL" smtClean="0"/>
-              <a:t>28-10-2025</a:t>
+              <a:t>21-11-2025</a:t>
             </a:fld>
             <a:endParaRPr lang="nl-NL"/>
           </a:p>
@@ -2989,7 +2989,7 @@
           <a:p>
             <a:fld id="{E74BDB28-6DF7-4627-A556-6E3BD3FA65A4}" type="datetimeFigureOut">
               <a:rPr lang="nl-NL" smtClean="0"/>
-              <a:t>28-10-2025</a:t>
+              <a:t>21-11-2025</a:t>
             </a:fld>
             <a:endParaRPr lang="nl-NL"/>
           </a:p>
@@ -3236,7 +3236,7 @@
           <a:p>
             <a:fld id="{E74BDB28-6DF7-4627-A556-6E3BD3FA65A4}" type="datetimeFigureOut">
               <a:rPr lang="nl-NL" smtClean="0"/>
-              <a:t>28-10-2025</a:t>
+              <a:t>21-11-2025</a:t>
             </a:fld>
             <a:endParaRPr lang="nl-NL"/>
           </a:p>
@@ -3468,7 +3468,7 @@
           <a:p>
             <a:fld id="{E74BDB28-6DF7-4627-A556-6E3BD3FA65A4}" type="datetimeFigureOut">
               <a:rPr lang="nl-NL" smtClean="0"/>
-              <a:t>28-10-2025</a:t>
+              <a:t>21-11-2025</a:t>
             </a:fld>
             <a:endParaRPr lang="nl-NL"/>
           </a:p>
@@ -3842,7 +3842,7 @@
           <a:p>
             <a:fld id="{E74BDB28-6DF7-4627-A556-6E3BD3FA65A4}" type="datetimeFigureOut">
               <a:rPr lang="nl-NL" smtClean="0"/>
-              <a:t>28-10-2025</a:t>
+              <a:t>21-11-2025</a:t>
             </a:fld>
             <a:endParaRPr lang="nl-NL"/>
           </a:p>
@@ -3965,7 +3965,7 @@
           <a:p>
             <a:fld id="{E74BDB28-6DF7-4627-A556-6E3BD3FA65A4}" type="datetimeFigureOut">
               <a:rPr lang="nl-NL" smtClean="0"/>
-              <a:t>28-10-2025</a:t>
+              <a:t>21-11-2025</a:t>
             </a:fld>
             <a:endParaRPr lang="nl-NL"/>
           </a:p>
@@ -4060,7 +4060,7 @@
           <a:p>
             <a:fld id="{E74BDB28-6DF7-4627-A556-6E3BD3FA65A4}" type="datetimeFigureOut">
               <a:rPr lang="nl-NL" smtClean="0"/>
-              <a:t>28-10-2025</a:t>
+              <a:t>21-11-2025</a:t>
             </a:fld>
             <a:endParaRPr lang="nl-NL"/>
           </a:p>
@@ -4315,7 +4315,7 @@
           <a:p>
             <a:fld id="{E74BDB28-6DF7-4627-A556-6E3BD3FA65A4}" type="datetimeFigureOut">
               <a:rPr lang="nl-NL" smtClean="0"/>
-              <a:t>28-10-2025</a:t>
+              <a:t>21-11-2025</a:t>
             </a:fld>
             <a:endParaRPr lang="nl-NL"/>
           </a:p>
@@ -4620,7 +4620,7 @@
           <a:p>
             <a:fld id="{E74BDB28-6DF7-4627-A556-6E3BD3FA65A4}" type="datetimeFigureOut">
               <a:rPr lang="nl-NL" smtClean="0"/>
-              <a:t>28-10-2025</a:t>
+              <a:t>21-11-2025</a:t>
             </a:fld>
             <a:endParaRPr lang="nl-NL"/>
           </a:p>
@@ -5322,7 +5322,7 @@
           <a:p>
             <a:fld id="{E74BDB28-6DF7-4627-A556-6E3BD3FA65A4}" type="datetimeFigureOut">
               <a:rPr lang="nl-NL" smtClean="0"/>
-              <a:t>28-10-2025</a:t>
+              <a:t>21-11-2025</a:t>
             </a:fld>
             <a:endParaRPr lang="nl-NL"/>
           </a:p>
@@ -6684,13 +6684,13 @@
           <p:nvPr>
             <p:extLst>
               <p:ext uri="{D42A27DB-BD31-4B8C-83A1-F6EECF244321}">
-                <p14:modId xmlns:p14="http://schemas.microsoft.com/office/powerpoint/2010/main" val="2736385443"/>
+                <p14:modId xmlns:p14="http://schemas.microsoft.com/office/powerpoint/2010/main" val="3817337714"/>
               </p:ext>
             </p:extLst>
           </p:nvPr>
         </p:nvGraphicFramePr>
         <p:xfrm>
-          <a:off x="3666870" y="951202"/>
+          <a:off x="3716031" y="1158240"/>
           <a:ext cx="8128000" cy="5090160"/>
         </p:xfrm>
         <a:graphic>
